--- a/OS-Neutron-WSGI.pptx
+++ b/OS-Neutron-WSGI.pptx
@@ -216,7 +216,7 @@
           <a:p>
             <a:fld id="{DF52FDB2-0586-4E00-A91C-C6085C503B1C}" type="datetimeFigureOut">
               <a:rPr lang="en-IN" smtClean="0"/>
-              <a:t>06-08-2015</a:t>
+              <a:t>07-08-2015</a:t>
             </a:fld>
             <a:endParaRPr lang="en-IN" dirty="0"/>
           </a:p>
@@ -1528,7 +1528,7 @@
             <a:fld id="{1D8BD707-D9CF-40AE-B4C6-C98DA3205C09}" type="datetimeFigureOut">
               <a:rPr lang="en-US" smtClean="0"/>
               <a:pPr/>
-              <a:t>8/6/2015</a:t>
+              <a:t>8/7/2015</a:t>
             </a:fld>
             <a:endParaRPr lang="en-US" dirty="0"/>
           </a:p>
@@ -1695,7 +1695,7 @@
             <a:fld id="{1D8BD707-D9CF-40AE-B4C6-C98DA3205C09}" type="datetimeFigureOut">
               <a:rPr lang="en-US" smtClean="0"/>
               <a:pPr/>
-              <a:t>8/6/2015</a:t>
+              <a:t>8/7/2015</a:t>
             </a:fld>
             <a:endParaRPr lang="en-US" dirty="0"/>
           </a:p>
@@ -1872,7 +1872,7 @@
             <a:fld id="{1D8BD707-D9CF-40AE-B4C6-C98DA3205C09}" type="datetimeFigureOut">
               <a:rPr lang="en-US" smtClean="0"/>
               <a:pPr/>
-              <a:t>8/6/2015</a:t>
+              <a:t>8/7/2015</a:t>
             </a:fld>
             <a:endParaRPr lang="en-US" dirty="0"/>
           </a:p>
@@ -2039,7 +2039,7 @@
             <a:fld id="{1D8BD707-D9CF-40AE-B4C6-C98DA3205C09}" type="datetimeFigureOut">
               <a:rPr lang="en-US" smtClean="0"/>
               <a:pPr/>
-              <a:t>8/6/2015</a:t>
+              <a:t>8/7/2015</a:t>
             </a:fld>
             <a:endParaRPr lang="en-US" dirty="0"/>
           </a:p>
@@ -2282,7 +2282,7 @@
             <a:fld id="{1D8BD707-D9CF-40AE-B4C6-C98DA3205C09}" type="datetimeFigureOut">
               <a:rPr lang="en-US" smtClean="0"/>
               <a:pPr/>
-              <a:t>8/6/2015</a:t>
+              <a:t>8/7/2015</a:t>
             </a:fld>
             <a:endParaRPr lang="en-US" dirty="0"/>
           </a:p>
@@ -2567,7 +2567,7 @@
             <a:fld id="{1D8BD707-D9CF-40AE-B4C6-C98DA3205C09}" type="datetimeFigureOut">
               <a:rPr lang="en-US" smtClean="0"/>
               <a:pPr/>
-              <a:t>8/6/2015</a:t>
+              <a:t>8/7/2015</a:t>
             </a:fld>
             <a:endParaRPr lang="en-US" dirty="0"/>
           </a:p>
@@ -2986,7 +2986,7 @@
             <a:fld id="{1D8BD707-D9CF-40AE-B4C6-C98DA3205C09}" type="datetimeFigureOut">
               <a:rPr lang="en-US" smtClean="0"/>
               <a:pPr/>
-              <a:t>8/6/2015</a:t>
+              <a:t>8/7/2015</a:t>
             </a:fld>
             <a:endParaRPr lang="en-US" dirty="0"/>
           </a:p>
@@ -3101,7 +3101,7 @@
             <a:fld id="{1D8BD707-D9CF-40AE-B4C6-C98DA3205C09}" type="datetimeFigureOut">
               <a:rPr lang="en-US" smtClean="0"/>
               <a:pPr/>
-              <a:t>8/6/2015</a:t>
+              <a:t>8/7/2015</a:t>
             </a:fld>
             <a:endParaRPr lang="en-US" dirty="0"/>
           </a:p>
@@ -3193,7 +3193,7 @@
             <a:fld id="{1D8BD707-D9CF-40AE-B4C6-C98DA3205C09}" type="datetimeFigureOut">
               <a:rPr lang="en-US" smtClean="0"/>
               <a:pPr/>
-              <a:t>8/6/2015</a:t>
+              <a:t>8/7/2015</a:t>
             </a:fld>
             <a:endParaRPr lang="en-US" dirty="0"/>
           </a:p>
@@ -3467,7 +3467,7 @@
             <a:fld id="{1D8BD707-D9CF-40AE-B4C6-C98DA3205C09}" type="datetimeFigureOut">
               <a:rPr lang="en-US" smtClean="0"/>
               <a:pPr/>
-              <a:t>8/6/2015</a:t>
+              <a:t>8/7/2015</a:t>
             </a:fld>
             <a:endParaRPr lang="en-US" dirty="0"/>
           </a:p>
@@ -3717,7 +3717,7 @@
             <a:fld id="{1D8BD707-D9CF-40AE-B4C6-C98DA3205C09}" type="datetimeFigureOut">
               <a:rPr lang="en-US" smtClean="0"/>
               <a:pPr/>
-              <a:t>8/6/2015</a:t>
+              <a:t>8/7/2015</a:t>
             </a:fld>
             <a:endParaRPr lang="en-US" dirty="0"/>
           </a:p>
@@ -3927,7 +3927,7 @@
             <a:fld id="{1D8BD707-D9CF-40AE-B4C6-C98DA3205C09}" type="datetimeFigureOut">
               <a:rPr lang="en-US" smtClean="0"/>
               <a:pPr/>
-              <a:t>8/6/2015</a:t>
+              <a:t>8/7/2015</a:t>
             </a:fld>
             <a:endParaRPr lang="en-US" dirty="0"/>
           </a:p>

--- a/OS-Neutron-WSGI.pptx
+++ b/OS-Neutron-WSGI.pptx
@@ -5640,6 +5640,32 @@
               <a:rPr lang="en-US" dirty="0"/>
               <a:t>URL Processing</a:t>
             </a:r>
+          </a:p>
+        </p:txBody>
+      </p:sp>
+      <p:sp>
+        <p:nvSpPr>
+          <p:cNvPr id="4" name="Subtitle 3"/>
+          <p:cNvSpPr>
+            <a:spLocks noGrp="1"/>
+          </p:cNvSpPr>
+          <p:nvPr>
+            <p:ph type="subTitle" idx="1"/>
+          </p:nvPr>
+        </p:nvSpPr>
+        <p:spPr/>
+        <p:txBody>
+          <a:bodyPr/>
+          <a:lstStyle/>
+          <a:p>
+            <a:r>
+              <a:rPr lang="en-US" dirty="0" err="1" smtClean="0"/>
+              <a:t>Manpreet</a:t>
+            </a:r>
+            <a:r>
+              <a:rPr lang="en-US" dirty="0" smtClean="0"/>
+              <a:t> Singh</a:t>
+            </a:r>
             <a:endParaRPr lang="en-US" dirty="0"/>
           </a:p>
         </p:txBody>
@@ -14503,17 +14529,7 @@
                 <a:latin typeface="Courier New" pitchFamily="49" charset="0"/>
                 <a:cs typeface="Courier New" pitchFamily="49" charset="0"/>
               </a:rPr>
-              <a:t>'is_visible</a:t>
-            </a:r>
-            <a:r>
-              <a:rPr lang="en-US" sz="700" b="1" dirty="0">
-                <a:solidFill>
-                  <a:srgbClr val="008000"/>
-                </a:solidFill>
-                <a:latin typeface="Courier New" pitchFamily="49" charset="0"/>
-                <a:cs typeface="Courier New" pitchFamily="49" charset="0"/>
-              </a:rPr>
-              <a:t>'</a:t>
+              <a:t>'is_visible'</a:t>
             </a:r>
             <a:r>
               <a:rPr lang="en-US" sz="700" dirty="0">
@@ -16189,11 +16205,7 @@
           <a:p>
             <a:r>
               <a:rPr lang="en-IN" sz="1200" b="1" dirty="0"/>
-              <a:t>d</a:t>
-            </a:r>
-            <a:r>
-              <a:rPr lang="en-IN" sz="1200" b="1" dirty="0"/>
-              <a:t>ef </a:t>
+              <a:t>def </a:t>
             </a:r>
             <a:r>
               <a:rPr lang="en-IN" sz="1200" dirty="0"/>
@@ -16313,11 +16325,7 @@
             </a:r>
             <a:r>
               <a:rPr lang="en-IN" sz="1200" dirty="0"/>
-              <a:t>=False</a:t>
-            </a:r>
-            <a:r>
-              <a:rPr lang="en-IN" sz="1200" dirty="0"/>
-              <a:t>)</a:t>
+              <a:t>=False)</a:t>
             </a:r>
           </a:p>
           <a:p>
@@ -16451,7 +16459,6 @@
               <a:rPr lang="en-IN" sz="1200" dirty="0"/>
               <a:t>) </a:t>
             </a:r>
-            <a:endParaRPr lang="en-IN" sz="1200" dirty="0"/>
           </a:p>
           <a:p>
             <a:endParaRPr lang="en-IN" sz="1200" dirty="0"/>
@@ -16512,7 +16519,6 @@
               <a:rPr lang="en-IN" sz="1400" dirty="0"/>
               <a:t>Return instance of controller class </a:t>
             </a:r>
-            <a:endParaRPr lang="en-IN" sz="1400" dirty="0"/>
           </a:p>
         </p:txBody>
       </p:sp>
@@ -16808,11 +16814,7 @@
             </a:r>
             <a:r>
               <a:rPr lang="en-IN" sz="1200" dirty="0"/>
-              <a:t>Resource(controller, faults=None, deserializers=None, serializers=None</a:t>
-            </a:r>
-            <a:r>
-              <a:rPr lang="en-IN" sz="1200" dirty="0"/>
-              <a:t>)</a:t>
+              <a:t>Resource(controller, faults=None, deserializers=None, serializers=None)</a:t>
             </a:r>
           </a:p>
           <a:p>
@@ -16835,11 +16837,7 @@
             </a:r>
             <a:r>
               <a:rPr lang="en-IN" sz="1200" dirty="0"/>
-              <a:t>resource</a:t>
-            </a:r>
-            <a:r>
-              <a:rPr lang="en-IN" sz="1200" dirty="0"/>
-              <a:t>), where resource is a wsgi application.</a:t>
+              <a:t>resource), where resource is a wsgi application.</a:t>
             </a:r>
           </a:p>
           <a:p>
@@ -16865,19 +16863,7 @@
             </a:r>
             <a:r>
               <a:rPr lang="en-IN" sz="1200" dirty="0"/>
-              <a:t> </a:t>
-            </a:r>
-            <a:r>
-              <a:rPr lang="en-IN" sz="1200" dirty="0"/>
-              <a:t>WSGI </a:t>
-            </a:r>
-            <a:r>
-              <a:rPr lang="en-IN" sz="1200" dirty="0"/>
-              <a:t>App     @</a:t>
-            </a:r>
-            <a:r>
-              <a:rPr lang="en-IN" sz="1200" dirty="0"/>
-              <a:t>webob.dec.wsgify(RequestClass=Request)</a:t>
+              <a:t> WSGI App     @webob.dec.wsgify(RequestClass=Request)</a:t>
             </a:r>
             <a:br>
               <a:rPr lang="en-IN" sz="1200" dirty="0"/>
@@ -16903,7 +16889,6 @@
               <a:rPr lang="en-IN" sz="1200" dirty="0"/>
               <a:t>						</a:t>
             </a:r>
-            <a:endParaRPr lang="en-IN" sz="1200" dirty="0"/>
           </a:p>
         </p:txBody>
       </p:sp>
@@ -17050,7 +17035,6 @@
               <a:rPr lang="en-IN" sz="1400" dirty="0"/>
               <a:t>So this mapper object is passed to Router class @ wsgi.py file</a:t>
             </a:r>
-            <a:endParaRPr lang="en-IN" sz="1400" dirty="0"/>
           </a:p>
         </p:txBody>
       </p:sp>
@@ -17090,11 +17074,7 @@
             <a:pPr algn="ctr"/>
             <a:r>
               <a:rPr lang="en-IN" sz="1100" b="1" dirty="0"/>
-              <a:t>super(APIRouter, self).__init__(</a:t>
-            </a:r>
-            <a:r>
-              <a:rPr lang="en-IN" sz="1100" b="1" dirty="0"/>
-              <a:t>mapper) </a:t>
+              <a:t>super(APIRouter, self).__init__(mapper) </a:t>
             </a:r>
             <a:endParaRPr lang="en-IN" sz="1100" dirty="0"/>
           </a:p>
@@ -17126,7 +17106,6 @@
               <a:rPr lang="en-IN" sz="700" dirty="0"/>
               <a:t>Router.py</a:t>
             </a:r>
-            <a:endParaRPr lang="en-IN" sz="700" dirty="0"/>
           </a:p>
         </p:txBody>
       </p:sp>
@@ -17197,7 +17176,6 @@
               <a:rPr lang="en-IN" sz="700" dirty="0"/>
               <a:t>wsgi.py</a:t>
             </a:r>
-            <a:endParaRPr lang="en-IN" sz="700" dirty="0"/>
           </a:p>
         </p:txBody>
       </p:sp>
@@ -17302,24 +17280,16 @@
             </a:r>
             <a:r>
               <a:rPr lang="en-IN" sz="1100" dirty="0"/>
-              <a:t>__init__(self, mapper</a:t>
-            </a:r>
+              <a:t>__init__(self, mapper):</a:t>
+            </a:r>
+          </a:p>
+          <a:p>
+            <a:endParaRPr lang="en-IN" sz="1100" dirty="0"/>
+          </a:p>
+          <a:p>
             <a:r>
               <a:rPr lang="en-IN" sz="1100" dirty="0"/>
-              <a:t>):</a:t>
-            </a:r>
-          </a:p>
-          <a:p>
-            <a:endParaRPr lang="en-IN" sz="1100" dirty="0"/>
-          </a:p>
-          <a:p>
-            <a:r>
-              <a:rPr lang="en-IN" sz="1100" dirty="0"/>
-              <a:t>self.map </a:t>
-            </a:r>
-            <a:r>
-              <a:rPr lang="en-IN" sz="1100" dirty="0"/>
-              <a:t>= mapper</a:t>
+              <a:t>self.map = mapper</a:t>
             </a:r>
             <a:br>
               <a:rPr lang="en-IN" sz="1100" dirty="0"/>
@@ -17462,11 +17432,7 @@
             </a:r>
             <a:r>
               <a:rPr lang="en-IN" sz="1200" dirty="0"/>
-              <a:t>][1</a:t>
-            </a:r>
-            <a:r>
-              <a:rPr lang="en-IN" sz="1200" dirty="0"/>
-              <a:t>]</a:t>
+              <a:t>][1]</a:t>
             </a:r>
           </a:p>
           <a:p>
@@ -17491,13 +17457,8 @@
             </a:r>
             <a:r>
               <a:rPr lang="en-IN" sz="1200" dirty="0"/>
-              <a:t>app</a:t>
-            </a:r>
-            <a:r>
-              <a:rPr lang="en-IN" sz="1200" dirty="0"/>
-              <a:t> </a:t>
-            </a:r>
-            <a:endParaRPr lang="en-IN" sz="1200" dirty="0"/>
+              <a:t>app </a:t>
+            </a:r>
           </a:p>
         </p:txBody>
       </p:sp>
@@ -17525,11 +17486,7 @@
           <a:p>
             <a:r>
               <a:rPr lang="en-IN" dirty="0"/>
-              <a:t>After this RoutesMiddleware is </a:t>
-            </a:r>
-            <a:r>
-              <a:rPr lang="en-IN" dirty="0"/>
-              <a:t>responsible for mapping incoming requests to WSGI apps</a:t>
+              <a:t>After this RoutesMiddleware is responsible for mapping incoming requests to WSGI apps</a:t>
             </a:r>
           </a:p>
         </p:txBody>
@@ -17598,7 +17555,6 @@
               <a:rPr lang="en-IN" sz="1400" dirty="0"/>
               <a:t>RoutesMiddleware(wsgi_app, mapper)</a:t>
             </a:r>
-            <a:endParaRPr lang="en-IN" sz="1400" dirty="0"/>
           </a:p>
         </p:txBody>
       </p:sp>
@@ -17628,7 +17584,6 @@
               <a:rPr lang="en-IN" sz="900" b="1" dirty="0"/>
               <a:t>Genric syntax for routesmiddleware</a:t>
             </a:r>
-            <a:endParaRPr lang="en-IN" sz="900" b="1" dirty="0"/>
           </a:p>
         </p:txBody>
       </p:sp>
@@ -17848,15 +17803,7 @@
           <a:p>
             <a:r>
               <a:rPr lang="en-IN" sz="2000" dirty="0"/>
-              <a:t>First WSGI starts it reads the configuration file i.e. api-paste.ini and loads APIRouter which is responsible for creating routes using mapper and pass mapper object to RoutesMiddleware and then it is responsible for mapping incoming </a:t>
-            </a:r>
-            <a:r>
-              <a:rPr lang="en-IN" sz="2000" dirty="0"/>
-              <a:t>requests to WSGI apps.</a:t>
-            </a:r>
-            <a:r>
-              <a:rPr lang="en-IN" sz="2000" dirty="0"/>
-              <a:t> </a:t>
+              <a:t>First WSGI starts it reads the configuration file i.e. api-paste.ini and loads APIRouter which is responsible for creating routes using mapper and pass mapper object to RoutesMiddleware and then it is responsible for mapping incoming requests to WSGI apps. </a:t>
             </a:r>
           </a:p>
           <a:p>
@@ -17886,11 +17833,7 @@
             </a:r>
             <a:r>
               <a:rPr lang="en-IN" sz="2000" dirty="0"/>
-              <a:t>resource(request</a:t>
-            </a:r>
-            <a:r>
-              <a:rPr lang="en-IN" sz="2000" dirty="0"/>
-              <a:t>)</a:t>
+              <a:t>resource(request)</a:t>
             </a:r>
           </a:p>
           <a:p>
@@ -17968,7 +17911,6 @@
               <a:rPr lang="en-IN" dirty="0"/>
               <a:t>Define in neutron/api/v2/resource.py</a:t>
             </a:r>
-            <a:endParaRPr lang="en-IN" dirty="0"/>
           </a:p>
         </p:txBody>
       </p:sp>
@@ -18034,13 +17976,6 @@
               </a:rPr>
               <a:t>Now what happen once the request reaches to WSGI app[def resource(request)] </a:t>
             </a:r>
-            <a:endParaRPr lang="en-IN" sz="4800" b="1" dirty="0">
-              <a:solidFill>
-                <a:schemeClr val="bg1">
-                  <a:lumMod val="50000"/>
-                </a:schemeClr>
-              </a:solidFill>
-            </a:endParaRPr>
           </a:p>
         </p:txBody>
       </p:sp>
@@ -18185,13 +18120,8 @@
                 <a:p>
                   <a:r>
                     <a:rPr lang="en-IN" sz="1000" b="1" dirty="0"/>
-                    <a:t>r</a:t>
+                    <a:t>resource.py</a:t>
                   </a:r>
-                  <a:r>
-                    <a:rPr lang="en-IN" sz="1000" b="1" dirty="0"/>
-                    <a:t>esource.py</a:t>
-                  </a:r>
-                  <a:endParaRPr lang="en-IN" sz="1000" b="1" dirty="0"/>
                 </a:p>
               </p:txBody>
             </p:sp>
@@ -18221,7 +18151,6 @@
                     <a:rPr lang="en-IN" sz="1600" b="1" dirty="0"/>
                     <a:t>Resource</a:t>
                   </a:r>
-                  <a:endParaRPr lang="en-IN" sz="1600" b="1" dirty="0"/>
                 </a:p>
               </p:txBody>
             </p:sp>
@@ -18338,13 +18267,8 @@
               <a:p>
                 <a:r>
                   <a:rPr lang="en-IN" sz="1000" b="1" dirty="0"/>
-                  <a:t>r</a:t>
+                  <a:t>resource.py</a:t>
                 </a:r>
-                <a:r>
-                  <a:rPr lang="en-IN" sz="1000" b="1" dirty="0"/>
-                  <a:t>esource.py</a:t>
-                </a:r>
-                <a:endParaRPr lang="en-IN" sz="1000" b="1" dirty="0"/>
               </a:p>
             </p:txBody>
           </p:sp>
@@ -18374,7 +18298,6 @@
                   <a:rPr lang="en-IN" sz="1600" b="1" dirty="0"/>
                   <a:t>Deserializer </a:t>
                 </a:r>
-                <a:endParaRPr lang="en-IN" sz="1600" b="1" dirty="0"/>
               </a:p>
             </p:txBody>
           </p:sp>
@@ -18516,13 +18439,8 @@
                   <a:p>
                     <a:r>
                       <a:rPr lang="en-IN" sz="1000" b="1" dirty="0"/>
-                      <a:t>r</a:t>
+                      <a:t>resource.py</a:t>
                     </a:r>
-                    <a:r>
-                      <a:rPr lang="en-IN" sz="1000" b="1" dirty="0"/>
-                      <a:t>esource.py</a:t>
-                    </a:r>
-                    <a:endParaRPr lang="en-IN" sz="1000" b="1" dirty="0"/>
                   </a:p>
                 </p:txBody>
               </p:sp>
@@ -18611,13 +18529,8 @@
               <a:p>
                 <a:r>
                   <a:rPr lang="en-IN" sz="1600" b="1" dirty="0"/>
-                  <a:t>S</a:t>
+                  <a:t>Serializer </a:t>
                 </a:r>
-                <a:r>
-                  <a:rPr lang="en-IN" sz="1600" b="1" dirty="0"/>
-                  <a:t>erializer </a:t>
-                </a:r>
-                <a:endParaRPr lang="en-IN" sz="1600" b="1" dirty="0"/>
               </a:p>
             </p:txBody>
           </p:sp>
@@ -18714,7 +18627,6 @@
                     <a:rPr lang="en-IN" sz="1000" b="1" dirty="0"/>
                     <a:t>base.py</a:t>
                   </a:r>
-                  <a:endParaRPr lang="en-IN" sz="1000" b="1" dirty="0"/>
                 </a:p>
               </p:txBody>
             </p:sp>
@@ -18744,7 +18656,6 @@
                     <a:rPr lang="en-IN" sz="1600" b="1" dirty="0"/>
                     <a:t>Controller</a:t>
                   </a:r>
-                  <a:endParaRPr lang="en-IN" sz="1600" b="1" dirty="0"/>
                 </a:p>
               </p:txBody>
             </p:sp>
@@ -18875,7 +18786,6 @@
                 <a:rPr lang="en-IN" sz="1200" b="1" dirty="0"/>
                 <a:t>1.2:deserialize(request_body)</a:t>
               </a:r>
-              <a:endParaRPr lang="en-IN" sz="1200" b="1" dirty="0"/>
             </a:p>
           </p:txBody>
         </p:sp>
@@ -18938,7 +18848,6 @@
                 <a:rPr lang="en-IN" sz="1200" b="1" dirty="0"/>
                 <a:t>1.3:getattr(controller, action)</a:t>
               </a:r>
-              <a:endParaRPr lang="en-IN" sz="1200" b="1" dirty="0"/>
             </a:p>
           </p:txBody>
         </p:sp>
@@ -19001,7 +18910,6 @@
                 <a:rPr lang="en-IN" sz="1200" b="1" dirty="0"/>
                 <a:t>1.4:create/update/delete/show/index</a:t>
               </a:r>
-              <a:endParaRPr lang="en-IN" sz="1200" b="1" dirty="0"/>
             </a:p>
           </p:txBody>
         </p:sp>
@@ -19062,11 +18970,7 @@
             <a:p>
               <a:r>
                 <a:rPr lang="en-IN" sz="1200" b="1" dirty="0"/>
-                <a:t>1.5:</a:t>
-              </a:r>
-              <a:r>
-                <a:rPr lang="en-IN" sz="1200" b="1" dirty="0"/>
-                <a:t>serialize(result)</a:t>
+                <a:t>1.5:serialize(result)</a:t>
               </a:r>
             </a:p>
           </p:txBody>
@@ -19234,7 +19138,6 @@
                 <a:rPr lang="en-IN" sz="1200" b="1" dirty="0"/>
                 <a:t>1. URL Request</a:t>
               </a:r>
-              <a:endParaRPr lang="en-IN" sz="1200" b="1" dirty="0"/>
             </a:p>
           </p:txBody>
         </p:sp>
@@ -19384,7 +19287,6 @@
                 <a:rPr lang="en-IN" sz="1000" b="1" dirty="0"/>
                 <a:t>base.py</a:t>
               </a:r>
-              <a:endParaRPr lang="en-IN" sz="1000" b="1" dirty="0"/>
             </a:p>
           </p:txBody>
         </p:sp>
@@ -19414,7 +19316,6 @@
                 <a:rPr lang="en-IN" sz="1600" b="1" dirty="0"/>
                 <a:t>Controller</a:t>
               </a:r>
-              <a:endParaRPr lang="en-IN" sz="1600" b="1" dirty="0"/>
             </a:p>
           </p:txBody>
         </p:sp>
@@ -19532,7 +19433,6 @@
                 <a:rPr lang="en-IN" sz="1000" b="1" dirty="0"/>
                 <a:t>plugin.py</a:t>
               </a:r>
-              <a:endParaRPr lang="en-IN" sz="1000" b="1" dirty="0"/>
             </a:p>
           </p:txBody>
         </p:sp>
@@ -19562,7 +19462,6 @@
                 <a:rPr lang="en-IN" sz="1600" b="1" dirty="0"/>
                 <a:t>Ml2Plugin</a:t>
               </a:r>
-              <a:endParaRPr lang="en-IN" sz="1600" b="1" dirty="0"/>
             </a:p>
           </p:txBody>
         </p:sp>
@@ -19659,7 +19558,6 @@
               <a:rPr lang="en-IN" sz="1200" b="1" dirty="0"/>
               <a:t>1.4:create/update/delete/show/index</a:t>
             </a:r>
-            <a:endParaRPr lang="en-IN" sz="1200" b="1" dirty="0"/>
           </a:p>
         </p:txBody>
       </p:sp>
@@ -19797,7 +19695,6 @@
               <a:rPr lang="en-IN" sz="1200" b="1" dirty="0"/>
               <a:t>1.4.1:calculating plugin handler corresponds to action specified </a:t>
             </a:r>
-            <a:endParaRPr lang="en-IN" sz="1200" b="1" dirty="0"/>
           </a:p>
         </p:txBody>
       </p:sp>
@@ -20250,11 +20147,7 @@
           <a:p>
             <a:r>
               <a:rPr lang="en-IN" sz="1200" b="1" dirty="0"/>
-              <a:t>1.4.4: </a:t>
-            </a:r>
-            <a:r>
-              <a:rPr lang="en-IN" sz="1200" b="1" dirty="0"/>
-              <a:t>calls _send_dhcp_notification to notify agents</a:t>
+              <a:t>1.4.4: calls _send_dhcp_notification to notify agents</a:t>
             </a:r>
           </a:p>
           <a:p>
@@ -20286,11 +20179,7 @@
           <a:p>
             <a:r>
               <a:rPr lang="en-IN" sz="1200" b="1" dirty="0"/>
-              <a:t>1.4.5:</a:t>
-            </a:r>
-            <a:r>
-              <a:rPr lang="en-IN" sz="1200" b="1" dirty="0"/>
-              <a:t> calls </a:t>
+              <a:t>1.4.5: calls </a:t>
             </a:r>
             <a:r>
               <a:rPr lang="en-IN" sz="1300" b="1" dirty="0"/>
@@ -20384,7 +20273,6 @@
               <a:rPr lang="en-IN" sz="1050" dirty="0"/>
               <a:t> </a:t>
             </a:r>
-            <a:endParaRPr lang="en-IN" sz="1050" dirty="0"/>
           </a:p>
         </p:txBody>
       </p:sp>
@@ -20537,7 +20425,6 @@
               <a:rPr lang="en-IN" sz="1200" b="1" dirty="0"/>
               <a:t>, action can be update, delete,  create</a:t>
             </a:r>
-            <a:endParaRPr lang="en-IN" sz="1200" b="1" dirty="0"/>
           </a:p>
         </p:txBody>
       </p:sp>
@@ -20577,11 +20464,7 @@
             </a:r>
             <a:r>
               <a:rPr lang="en-IN" sz="1200" b="1" dirty="0"/>
-              <a:t>, </a:t>
-            </a:r>
-            <a:r>
-              <a:rPr lang="en-IN" sz="1200" b="1" dirty="0"/>
-              <a:t>action can be update, delete,  create</a:t>
+              <a:t>, action can be update, delete,  create</a:t>
             </a:r>
           </a:p>
         </p:txBody>
@@ -20650,7 +20533,6 @@
               <a:rPr lang="en-IN" sz="4000" dirty="0"/>
               <a:t>RoutesMiddleware</a:t>
             </a:r>
-            <a:endParaRPr lang="en-IN" sz="4000" dirty="0"/>
           </a:p>
         </p:txBody>
       </p:sp>
@@ -20945,15 +20827,7 @@
           <a:p>
             <a:r>
               <a:rPr lang="en-IN" dirty="0"/>
-              <a:t>The </a:t>
-            </a:r>
-            <a:r>
-              <a:rPr lang="en-IN" dirty="0"/>
-              <a:t>RoutesMiddleware </a:t>
-            </a:r>
-            <a:r>
-              <a:rPr lang="en-IN" dirty="0"/>
-              <a:t>matches the requested URL and sets the following WSGI variables:</a:t>
+              <a:t>The RoutesMiddleware matches the requested URL and sets the following WSGI variables:</a:t>
             </a:r>
           </a:p>
         </p:txBody>
@@ -21397,7 +21271,6 @@
               <a:rPr lang="en-IN" sz="2800" b="1" dirty="0"/>
               <a:t>Diagram Explanation</a:t>
             </a:r>
-            <a:endParaRPr lang="en-IN" sz="2800" b="1" dirty="0"/>
           </a:p>
         </p:txBody>
       </p:sp>
@@ -21430,11 +21303,6 @@
               </a:rPr>
               <a:t>1.1</a:t>
             </a:r>
-            <a:endParaRPr lang="en-IN" sz="2400" b="1" dirty="0">
-              <a:solidFill>
-                <a:srgbClr val="0070C0"/>
-              </a:solidFill>
-            </a:endParaRPr>
           </a:p>
         </p:txBody>
       </p:sp>
@@ -21478,7 +21346,15 @@
                   <a:srgbClr val="00B050"/>
                 </a:solidFill>
               </a:rPr>
-              <a:t>[</a:t>
+              <a:t>[refer 59</a:t>
+            </a:r>
+            <a:r>
+              <a:rPr lang="en-IN" sz="1600" baseline="30000" dirty="0">
+                <a:solidFill>
+                  <a:srgbClr val="00B050"/>
+                </a:solidFill>
+              </a:rPr>
+              <a:t>th</a:t>
             </a:r>
             <a:r>
               <a:rPr lang="en-IN" sz="1600" dirty="0">
@@ -21486,29 +21362,8 @@
                   <a:srgbClr val="00B050"/>
                 </a:solidFill>
               </a:rPr>
-              <a:t>refer 59</a:t>
-            </a:r>
-            <a:r>
-              <a:rPr lang="en-IN" sz="1600" baseline="30000" dirty="0">
-                <a:solidFill>
-                  <a:srgbClr val="00B050"/>
-                </a:solidFill>
-              </a:rPr>
-              <a:t>th</a:t>
-            </a:r>
-            <a:r>
-              <a:rPr lang="en-IN" sz="1600" dirty="0">
-                <a:solidFill>
-                  <a:srgbClr val="00B050"/>
-                </a:solidFill>
-              </a:rPr>
               <a:t>  line of resource.py ]   </a:t>
             </a:r>
-            <a:endParaRPr lang="en-IN" sz="1600" dirty="0">
-              <a:solidFill>
-                <a:srgbClr val="00B050"/>
-              </a:solidFill>
-            </a:endParaRPr>
           </a:p>
         </p:txBody>
       </p:sp>
@@ -21541,11 +21396,6 @@
               </a:rPr>
               <a:t>1.2</a:t>
             </a:r>
-            <a:endParaRPr lang="en-IN" sz="2400" b="1" dirty="0">
-              <a:solidFill>
-                <a:srgbClr val="0070C0"/>
-              </a:solidFill>
-            </a:endParaRPr>
           </a:p>
         </p:txBody>
       </p:sp>
@@ -21574,15 +21424,7 @@
             <a:pPr marL="0" lvl="1"/>
             <a:r>
               <a:rPr lang="en-IN" sz="1600" dirty="0"/>
-              <a:t>At </a:t>
-            </a:r>
-            <a:r>
-              <a:rPr lang="en-IN" sz="1600" dirty="0"/>
-              <a:t>this point it deserialize(convert json string to plain text) the body of the requested URL it uses {'application/json': wsgi.JSONDeserializer()} for deserialization</a:t>
-            </a:r>
-            <a:r>
-              <a:rPr lang="en-IN" sz="1600" dirty="0"/>
-              <a:t>.</a:t>
+              <a:t>At this point it deserialize(convert json string to plain text) the body of the requested URL it uses {'application/json': wsgi.JSONDeserializer()} for deserialization.</a:t>
             </a:r>
           </a:p>
           <a:p>
@@ -21593,7 +21435,15 @@
                   <a:srgbClr val="00B050"/>
                 </a:solidFill>
               </a:rPr>
-              <a:t>[refer </a:t>
+              <a:t>[refer 79</a:t>
+            </a:r>
+            <a:r>
+              <a:rPr lang="en-IN" sz="1600" baseline="30000" dirty="0">
+                <a:solidFill>
+                  <a:srgbClr val="00B050"/>
+                </a:solidFill>
+              </a:rPr>
+              <a:t>th</a:t>
             </a:r>
             <a:r>
               <a:rPr lang="en-IN" sz="1600" dirty="0">
@@ -21601,31 +21451,7 @@
                   <a:srgbClr val="00B050"/>
                 </a:solidFill>
               </a:rPr>
-              <a:t>79</a:t>
-            </a:r>
-            <a:r>
-              <a:rPr lang="en-IN" sz="1600" baseline="30000" dirty="0">
-                <a:solidFill>
-                  <a:srgbClr val="00B050"/>
-                </a:solidFill>
-              </a:rPr>
-              <a:t>th</a:t>
-            </a:r>
-            <a:r>
-              <a:rPr lang="en-IN" sz="1600" dirty="0">
-                <a:solidFill>
-                  <a:srgbClr val="00B050"/>
-                </a:solidFill>
-              </a:rPr>
-              <a:t>  </a:t>
-            </a:r>
-            <a:r>
-              <a:rPr lang="en-IN" sz="1600" dirty="0">
-                <a:solidFill>
-                  <a:srgbClr val="00B050"/>
-                </a:solidFill>
-              </a:rPr>
-              <a:t>line of resource.py ]</a:t>
+              <a:t>  line of resource.py ]</a:t>
             </a:r>
             <a:endParaRPr lang="en-IN" sz="1600" dirty="0"/>
           </a:p>
@@ -21663,11 +21489,6 @@
               </a:rPr>
               <a:t>1.3</a:t>
             </a:r>
-            <a:endParaRPr lang="en-IN" sz="2400" b="1" dirty="0">
-              <a:solidFill>
-                <a:srgbClr val="0070C0"/>
-              </a:solidFill>
-            </a:endParaRPr>
           </a:p>
         </p:txBody>
       </p:sp>
@@ -21777,7 +21598,15 @@
                   <a:srgbClr val="00B050"/>
                 </a:solidFill>
               </a:rPr>
-              <a:t>[refer </a:t>
+              <a:t>[refer 81</a:t>
+            </a:r>
+            <a:r>
+              <a:rPr lang="en-IN" sz="1600" baseline="30000" dirty="0">
+                <a:solidFill>
+                  <a:srgbClr val="00B050"/>
+                </a:solidFill>
+              </a:rPr>
+              <a:t>th</a:t>
             </a:r>
             <a:r>
               <a:rPr lang="en-IN" sz="1600" dirty="0">
@@ -21785,31 +21614,7 @@
                   <a:srgbClr val="00B050"/>
                 </a:solidFill>
               </a:rPr>
-              <a:t>81</a:t>
-            </a:r>
-            <a:r>
-              <a:rPr lang="en-IN" sz="1600" baseline="30000" dirty="0">
-                <a:solidFill>
-                  <a:srgbClr val="00B050"/>
-                </a:solidFill>
-              </a:rPr>
-              <a:t>th</a:t>
-            </a:r>
-            <a:r>
-              <a:rPr lang="en-IN" sz="1600" dirty="0">
-                <a:solidFill>
-                  <a:srgbClr val="00B050"/>
-                </a:solidFill>
-              </a:rPr>
-              <a:t>  </a:t>
-            </a:r>
-            <a:r>
-              <a:rPr lang="en-IN" sz="1600" dirty="0">
-                <a:solidFill>
-                  <a:srgbClr val="00B050"/>
-                </a:solidFill>
-              </a:rPr>
-              <a:t>line of resource.py ]</a:t>
+              <a:t>  line of resource.py ]</a:t>
             </a:r>
             <a:endParaRPr lang="en-IN" sz="1600" dirty="0"/>
           </a:p>
@@ -21890,7 +21695,6 @@
               <a:rPr lang="en-IN" sz="1600" b="1" dirty="0"/>
               <a:t>Depending upon action</a:t>
             </a:r>
-            <a:endParaRPr lang="en-IN" sz="1600" b="1" dirty="0"/>
           </a:p>
         </p:txBody>
       </p:sp>
@@ -21957,7 +21761,6 @@
               <a:rPr lang="en-IN" sz="2800" b="1" dirty="0"/>
               <a:t>Diagram Explanation (contd.)</a:t>
             </a:r>
-            <a:endParaRPr lang="en-IN" sz="2800" b="1" dirty="0"/>
           </a:p>
         </p:txBody>
       </p:sp>
@@ -21990,11 +21793,6 @@
               </a:rPr>
               <a:t>1.4</a:t>
             </a:r>
-            <a:endParaRPr lang="en-IN" sz="2400" b="1" dirty="0">
-              <a:solidFill>
-                <a:srgbClr val="0070C0"/>
-              </a:solidFill>
-            </a:endParaRPr>
           </a:p>
         </p:txBody>
       </p:sp>
@@ -22034,11 +21832,7 @@
           <a:p>
             <a:r>
               <a:rPr lang="en-IN" sz="1600" dirty="0"/>
-              <a:t>	result </a:t>
-            </a:r>
-            <a:r>
-              <a:rPr lang="en-IN" sz="1600" dirty="0"/>
-              <a:t>= method(request=request, **args)</a:t>
+              <a:t>	result = method(request=request, **args)</a:t>
             </a:r>
           </a:p>
           <a:p>
@@ -22050,11 +21844,7 @@
           <a:p>
             <a:r>
               <a:rPr lang="en-IN" sz="1600" dirty="0"/>
-              <a:t>where args is {network_id} that will be collected as id in wsgiorg.routing_args and args['body'] = deserializer.deserialize(request.body)['body</a:t>
-            </a:r>
-            <a:r>
-              <a:rPr lang="en-IN" sz="1600" dirty="0"/>
-              <a:t>'].</a:t>
+              <a:t>where args is {network_id} that will be collected as id in wsgiorg.routing_args and args['body'] = deserializer.deserialize(request.body)['body'].</a:t>
             </a:r>
           </a:p>
           <a:p>
@@ -22065,7 +21855,15 @@
                   <a:srgbClr val="00B050"/>
                 </a:solidFill>
               </a:rPr>
-              <a:t>[refer </a:t>
+              <a:t>[refer 83</a:t>
+            </a:r>
+            <a:r>
+              <a:rPr lang="en-IN" sz="1600" baseline="30000" dirty="0">
+                <a:solidFill>
+                  <a:srgbClr val="00B050"/>
+                </a:solidFill>
+              </a:rPr>
+              <a:t>rd</a:t>
             </a:r>
             <a:r>
               <a:rPr lang="en-IN" sz="1600" dirty="0">
@@ -22073,39 +21871,7 @@
                   <a:srgbClr val="00B050"/>
                 </a:solidFill>
               </a:rPr>
-              <a:t>83</a:t>
-            </a:r>
-            <a:r>
-              <a:rPr lang="en-IN" sz="1600" baseline="30000" dirty="0">
-                <a:solidFill>
-                  <a:srgbClr val="00B050"/>
-                </a:solidFill>
-              </a:rPr>
-              <a:t>rd</a:t>
-            </a:r>
-            <a:r>
-              <a:rPr lang="en-IN" sz="1600" dirty="0">
-                <a:solidFill>
-                  <a:srgbClr val="00B050"/>
-                </a:solidFill>
-              </a:rPr>
-              <a:t>  </a:t>
-            </a:r>
-            <a:r>
-              <a:rPr lang="en-IN" sz="1600" dirty="0">
-                <a:solidFill>
-                  <a:srgbClr val="00B050"/>
-                </a:solidFill>
-              </a:rPr>
-              <a:t>line of resource.py </a:t>
-            </a:r>
-            <a:r>
-              <a:rPr lang="en-IN" sz="1600" dirty="0">
-                <a:solidFill>
-                  <a:srgbClr val="00B050"/>
-                </a:solidFill>
-              </a:rPr>
-              <a:t>]</a:t>
+              <a:t>  line of resource.py ]</a:t>
             </a:r>
             <a:endParaRPr lang="en-IN" sz="1600" dirty="0"/>
           </a:p>
@@ -22327,7 +22093,6 @@
               <a:rPr lang="en-IN" sz="2800" b="1" dirty="0"/>
               <a:t>Diagram Explanation (contd.)</a:t>
             </a:r>
-            <a:endParaRPr lang="en-IN" sz="2800" b="1" dirty="0"/>
           </a:p>
         </p:txBody>
       </p:sp>
@@ -22360,11 +22125,6 @@
               </a:rPr>
               <a:t>1.4.1</a:t>
             </a:r>
-            <a:endParaRPr lang="en-IN" sz="2400" b="1" dirty="0">
-              <a:solidFill>
-                <a:srgbClr val="0070C0"/>
-              </a:solidFill>
-            </a:endParaRPr>
           </a:p>
         </p:txBody>
       </p:sp>
@@ -22396,11 +22156,7 @@
             </a:r>
             <a:r>
               <a:rPr lang="en-IN" sz="1600" b="1" dirty="0"/>
-              <a:t>self._</a:t>
-            </a:r>
-            <a:r>
-              <a:rPr lang="en-IN" sz="1600" b="1" dirty="0"/>
-              <a:t>plugin_handlers(action) </a:t>
+              <a:t>self._plugin_handlers(action) </a:t>
             </a:r>
             <a:r>
               <a:rPr lang="en-IN" sz="1600" dirty="0"/>
@@ -22410,7 +22166,6 @@
               <a:rPr lang="en-IN" sz="1600" b="1" dirty="0"/>
               <a:t> </a:t>
             </a:r>
-            <a:endParaRPr lang="en-IN" sz="1600" b="1" dirty="0"/>
           </a:p>
         </p:txBody>
       </p:sp>
@@ -22762,7 +22517,15 @@
                   <a:srgbClr val="00B050"/>
                 </a:solidFill>
               </a:rPr>
-              <a:t>[refer </a:t>
+              <a:t>[refer 463</a:t>
+            </a:r>
+            <a:r>
+              <a:rPr lang="en-IN" sz="1600" baseline="30000" dirty="0">
+                <a:solidFill>
+                  <a:srgbClr val="00B050"/>
+                </a:solidFill>
+              </a:rPr>
+              <a:t>rd</a:t>
             </a:r>
             <a:r>
               <a:rPr lang="en-IN" sz="1600" dirty="0">
@@ -22770,39 +22533,7 @@
                   <a:srgbClr val="00B050"/>
                 </a:solidFill>
               </a:rPr>
-              <a:t>463</a:t>
-            </a:r>
-            <a:r>
-              <a:rPr lang="en-IN" sz="1600" baseline="30000" dirty="0">
-                <a:solidFill>
-                  <a:srgbClr val="00B050"/>
-                </a:solidFill>
-              </a:rPr>
-              <a:t>rd</a:t>
-            </a:r>
-            <a:r>
-              <a:rPr lang="en-IN" sz="1600" dirty="0">
-                <a:solidFill>
-                  <a:srgbClr val="00B050"/>
-                </a:solidFill>
-              </a:rPr>
-              <a:t>  </a:t>
-            </a:r>
-            <a:r>
-              <a:rPr lang="en-IN" sz="1600" dirty="0">
-                <a:solidFill>
-                  <a:srgbClr val="00B050"/>
-                </a:solidFill>
-              </a:rPr>
-              <a:t>line of </a:t>
-            </a:r>
-            <a:r>
-              <a:rPr lang="en-IN" sz="1600" dirty="0">
-                <a:solidFill>
-                  <a:srgbClr val="00B050"/>
-                </a:solidFill>
-              </a:rPr>
-              <a:t>base.py for delete action]</a:t>
+              <a:t>  line of base.py for delete action]</a:t>
             </a:r>
             <a:endParaRPr lang="en-IN" sz="1600" dirty="0"/>
           </a:p>
@@ -22864,7 +22595,6 @@
               <a:rPr lang="en-IN" sz="2800" b="1" dirty="0"/>
               <a:t>Diagram Explanation (contd.)</a:t>
             </a:r>
-            <a:endParaRPr lang="en-IN" sz="2800" b="1" dirty="0"/>
           </a:p>
         </p:txBody>
       </p:sp>
@@ -22897,11 +22627,6 @@
               </a:rPr>
               <a:t>1.4.2[taking delete case]</a:t>
             </a:r>
-            <a:endParaRPr lang="en-IN" sz="2400" b="1" dirty="0">
-              <a:solidFill>
-                <a:srgbClr val="0070C0"/>
-              </a:solidFill>
-            </a:endParaRPr>
           </a:p>
         </p:txBody>
       </p:sp>
@@ -22929,19 +22654,11 @@
           <a:p>
             <a:r>
               <a:rPr lang="en-IN" sz="1600" dirty="0"/>
-              <a:t>At this point </a:t>
-            </a:r>
-            <a:r>
-              <a:rPr lang="en-IN" sz="1600" dirty="0"/>
-              <a:t>it calls </a:t>
+              <a:t>At this point it calls </a:t>
             </a:r>
             <a:r>
               <a:rPr lang="en-IN" sz="1600" b="1" dirty="0"/>
-              <a:t>obj_deleter = getattr(self._plugin, action</a:t>
-            </a:r>
-            <a:r>
-              <a:rPr lang="en-IN" sz="1600" b="1" dirty="0"/>
-              <a:t>)</a:t>
+              <a:t>obj_deleter = getattr(self._plugin, action)</a:t>
             </a:r>
             <a:r>
               <a:rPr lang="en-IN" sz="1600" dirty="0"/>
@@ -22955,12 +22672,18 @@
           <a:p>
             <a:r>
               <a:rPr lang="en-IN" sz="1600" b="1" dirty="0"/>
-              <a:t>	</a:t>
-            </a:r>
+              <a:t>		</a:t>
+            </a:r>
+          </a:p>
+          <a:p>
             <a:r>
               <a:rPr lang="en-IN" sz="1600" b="1" dirty="0"/>
               <a:t>	</a:t>
             </a:r>
+            <a:r>
+              <a:rPr lang="en-IN" sz="1600" dirty="0"/>
+              <a:t>delete_network(self, context, id)</a:t>
+            </a:r>
           </a:p>
           <a:p>
             <a:r>
@@ -22969,47 +22692,13 @@
             </a:r>
             <a:r>
               <a:rPr lang="en-IN" sz="1600" dirty="0"/>
-              <a:t>delete_network(self</a:t>
-            </a:r>
+              <a:t>delete_port(self, context, id, l3_port_check=True)</a:t>
+            </a:r>
+          </a:p>
+          <a:p>
             <a:r>
               <a:rPr lang="en-IN" sz="1600" dirty="0"/>
-              <a:t>, context, id</a:t>
-            </a:r>
-            <a:r>
-              <a:rPr lang="en-IN" sz="1600" dirty="0"/>
-              <a:t>)</a:t>
-            </a:r>
-          </a:p>
-          <a:p>
-            <a:r>
-              <a:rPr lang="en-IN" sz="1600" b="1" dirty="0"/>
-              <a:t>	</a:t>
-            </a:r>
-            <a:r>
-              <a:rPr lang="en-IN" sz="1600" dirty="0"/>
-              <a:t>delete_port(self</a:t>
-            </a:r>
-            <a:r>
-              <a:rPr lang="en-IN" sz="1600" dirty="0"/>
-              <a:t>, context, id, </a:t>
-            </a:r>
-            <a:r>
-              <a:rPr lang="en-IN" sz="1600" dirty="0"/>
-              <a:t>l3_port_check=True)</a:t>
-            </a:r>
-          </a:p>
-          <a:p>
-            <a:r>
-              <a:rPr lang="en-IN" sz="1600" dirty="0"/>
-              <a:t>	</a:t>
-            </a:r>
-            <a:r>
-              <a:rPr lang="en-IN" sz="1600" dirty="0"/>
-              <a:t>delete_subnet(self</a:t>
-            </a:r>
-            <a:r>
-              <a:rPr lang="en-IN" sz="1600" dirty="0"/>
-              <a:t>, context, id)</a:t>
+              <a:t>	delete_subnet(self, context, id)</a:t>
             </a:r>
             <a:endParaRPr lang="en-IN" sz="1600" b="1" dirty="0"/>
           </a:p>
@@ -23029,7 +22718,15 @@
                   <a:srgbClr val="00B050"/>
                 </a:solidFill>
               </a:rPr>
-              <a:t>[</a:t>
+              <a:t>[refer 479</a:t>
+            </a:r>
+            <a:r>
+              <a:rPr lang="en-IN" sz="1600" baseline="30000" dirty="0">
+                <a:solidFill>
+                  <a:srgbClr val="00B050"/>
+                </a:solidFill>
+              </a:rPr>
+              <a:t>th</a:t>
             </a:r>
             <a:r>
               <a:rPr lang="en-IN" sz="1600" dirty="0">
@@ -23037,62 +22734,14 @@
                   <a:srgbClr val="00B050"/>
                 </a:solidFill>
               </a:rPr>
-              <a:t>refer </a:t>
-            </a:r>
-            <a:r>
-              <a:rPr lang="en-IN" sz="1600" dirty="0">
-                <a:solidFill>
-                  <a:srgbClr val="00B050"/>
-                </a:solidFill>
-              </a:rPr>
-              <a:t>479</a:t>
-            </a:r>
-            <a:r>
-              <a:rPr lang="en-IN" sz="1600" baseline="30000" dirty="0">
-                <a:solidFill>
-                  <a:srgbClr val="00B050"/>
-                </a:solidFill>
-              </a:rPr>
-              <a:t>th</a:t>
-            </a:r>
-            <a:r>
-              <a:rPr lang="en-IN" sz="1600" dirty="0">
-                <a:solidFill>
-                  <a:srgbClr val="00B050"/>
-                </a:solidFill>
-              </a:rPr>
-              <a:t> line </a:t>
-            </a:r>
-            <a:r>
-              <a:rPr lang="en-IN" sz="1600" dirty="0">
-                <a:solidFill>
-                  <a:srgbClr val="00B050"/>
-                </a:solidFill>
-              </a:rPr>
-              <a:t>of </a:t>
-            </a:r>
-            <a:r>
-              <a:rPr lang="en-IN" sz="1600" dirty="0">
-                <a:solidFill>
-                  <a:srgbClr val="00B050"/>
-                </a:solidFill>
-              </a:rPr>
-              <a:t>base.py]</a:t>
+              <a:t> line of base.py]</a:t>
             </a:r>
             <a:endParaRPr lang="en-IN" sz="1600" dirty="0"/>
           </a:p>
           <a:p>
             <a:r>
               <a:rPr lang="en-IN" sz="1600" b="1" dirty="0"/>
-              <a:t>			</a:t>
-            </a:r>
-            <a:r>
-              <a:rPr lang="en-IN" sz="1600" b="1" dirty="0"/>
-              <a:t>	</a:t>
-            </a:r>
-            <a:r>
-              <a:rPr lang="en-IN" sz="1600" b="1" dirty="0"/>
-              <a:t>	</a:t>
+              <a:t>					</a:t>
             </a:r>
           </a:p>
           <a:p>
@@ -23100,7 +22749,6 @@
               <a:rPr lang="en-IN" sz="1600" b="1" dirty="0"/>
               <a:t>		</a:t>
             </a:r>
-            <a:endParaRPr lang="en-IN" sz="1600" b="1" dirty="0"/>
           </a:p>
         </p:txBody>
       </p:sp>
@@ -23168,7 +22816,6 @@
               <a:rPr lang="en-IN" dirty="0"/>
               <a:t>Methods define in ml2 plugin</a:t>
             </a:r>
-            <a:endParaRPr lang="en-IN" dirty="0"/>
           </a:p>
         </p:txBody>
       </p:sp>
@@ -23201,11 +22848,6 @@
               </a:rPr>
               <a:t>1.4.3[taking delete case]</a:t>
             </a:r>
-            <a:endParaRPr lang="en-IN" sz="2400" b="1" dirty="0">
-              <a:solidFill>
-                <a:srgbClr val="0070C0"/>
-              </a:solidFill>
-            </a:endParaRPr>
           </a:p>
         </p:txBody>
       </p:sp>
@@ -23241,15 +22883,7 @@
             </a:r>
             <a:r>
               <a:rPr lang="en-IN" sz="1600" dirty="0"/>
-              <a:t>variable </a:t>
-            </a:r>
-            <a:r>
-              <a:rPr lang="en-IN" sz="1600" dirty="0"/>
-              <a:t>by passing arguments </a:t>
-            </a:r>
-            <a:r>
-              <a:rPr lang="en-IN" sz="1600" dirty="0"/>
-              <a:t>i.e. id and **kwargs.</a:t>
+              <a:t>variable by passing arguments i.e. id and **kwargs.</a:t>
             </a:r>
           </a:p>
           <a:p>
@@ -23260,7 +22894,15 @@
                   <a:srgbClr val="00B050"/>
                 </a:solidFill>
               </a:rPr>
-              <a:t>[refer </a:t>
+              <a:t>[refer 480</a:t>
+            </a:r>
+            <a:r>
+              <a:rPr lang="en-IN" sz="1600" baseline="30000" dirty="0">
+                <a:solidFill>
+                  <a:srgbClr val="00B050"/>
+                </a:solidFill>
+              </a:rPr>
+              <a:t>th</a:t>
             </a:r>
             <a:r>
               <a:rPr lang="en-IN" sz="1600" dirty="0">
@@ -23268,48 +22910,15 @@
                   <a:srgbClr val="00B050"/>
                 </a:solidFill>
               </a:rPr>
-              <a:t>480</a:t>
-            </a:r>
-            <a:r>
-              <a:rPr lang="en-IN" sz="1600" baseline="30000" dirty="0">
-                <a:solidFill>
-                  <a:srgbClr val="00B050"/>
-                </a:solidFill>
-              </a:rPr>
-              <a:t>th</a:t>
-            </a:r>
-            <a:r>
-              <a:rPr lang="en-IN" sz="1600" dirty="0">
-                <a:solidFill>
-                  <a:srgbClr val="00B050"/>
-                </a:solidFill>
-              </a:rPr>
-              <a:t> </a:t>
-            </a:r>
-            <a:r>
-              <a:rPr lang="en-IN" sz="1600" dirty="0">
-                <a:solidFill>
-                  <a:srgbClr val="00B050"/>
-                </a:solidFill>
-              </a:rPr>
-              <a:t>line of base.py]</a:t>
+              <a:t> line of base.py]</a:t>
             </a:r>
             <a:endParaRPr lang="en-IN" sz="1600" dirty="0"/>
           </a:p>
           <a:p>
             <a:r>
               <a:rPr lang="en-IN" sz="1600" b="1" dirty="0"/>
-              <a:t>				</a:t>
-            </a:r>
-            <a:r>
-              <a:rPr lang="en-IN" sz="1600" b="1" dirty="0"/>
-              <a:t>	</a:t>
-            </a:r>
-            <a:r>
-              <a:rPr lang="en-IN" sz="1600" b="1" dirty="0"/>
-              <a:t>			</a:t>
-            </a:r>
-            <a:endParaRPr lang="en-IN" sz="1600" b="1" dirty="0"/>
+              <a:t>								</a:t>
+            </a:r>
           </a:p>
         </p:txBody>
       </p:sp>
@@ -23380,17 +22989,7 @@
                   </a:schemeClr>
                 </a:solidFill>
               </a:rPr>
-              <a:t>Now Call @ </a:t>
-            </a:r>
-            <a:r>
-              <a:rPr lang="en-US" sz="3200" b="1" dirty="0">
-                <a:solidFill>
-                  <a:schemeClr val="bg1">
-                    <a:lumMod val="50000"/>
-                  </a:schemeClr>
-                </a:solidFill>
-              </a:rPr>
-              <a:t>core plugin i.e. Ml2 </a:t>
+              <a:t>Now Call @ core plugin i.e. Ml2 </a:t>
             </a:r>
             <a:endParaRPr lang="en-IN" sz="3200" dirty="0"/>
           </a:p>
@@ -23452,7 +23051,6 @@
               <a:rPr lang="en-IN" sz="2800" b="1" dirty="0"/>
               <a:t>Diagram Explanation (contd.)</a:t>
             </a:r>
-            <a:endParaRPr lang="en-IN" sz="2800" b="1" dirty="0"/>
           </a:p>
         </p:txBody>
       </p:sp>
@@ -23485,11 +23083,6 @@
               </a:rPr>
               <a:t>1.4.4[taking delete case]</a:t>
             </a:r>
-            <a:endParaRPr lang="en-IN" sz="2400" b="1" dirty="0">
-              <a:solidFill>
-                <a:srgbClr val="0070C0"/>
-              </a:solidFill>
-            </a:endParaRPr>
           </a:p>
         </p:txBody>
       </p:sp>
@@ -23517,23 +23110,11 @@
           <a:p>
             <a:r>
               <a:rPr lang="en-IN" sz="1600" dirty="0"/>
-              <a:t>At this </a:t>
-            </a:r>
-            <a:r>
-              <a:rPr lang="en-IN" sz="1600" dirty="0"/>
-              <a:t>point </a:t>
-            </a:r>
-            <a:r>
-              <a:rPr lang="en-IN" sz="1600" dirty="0"/>
-              <a:t>delete function define in base.py calls </a:t>
+              <a:t>At this point delete function define in base.py calls </a:t>
             </a:r>
             <a:r>
               <a:rPr lang="en-IN" sz="1600" b="1" dirty="0"/>
-              <a:t>_</a:t>
-            </a:r>
-            <a:r>
-              <a:rPr lang="en-IN" sz="1600" b="1" dirty="0"/>
-              <a:t>send_dhcp_notification </a:t>
+              <a:t>_send_dhcp_notification </a:t>
             </a:r>
             <a:r>
               <a:rPr lang="en-IN" sz="1600" dirty="0"/>
@@ -23543,7 +23124,6 @@
               <a:rPr lang="en-IN" sz="1600" b="1" dirty="0"/>
               <a:t>	</a:t>
             </a:r>
-            <a:endParaRPr lang="en-IN" sz="1600" b="1" dirty="0"/>
           </a:p>
           <a:p>
             <a:pPr marL="0" lvl="1"/>
@@ -23553,7 +23133,15 @@
                   <a:srgbClr val="00B050"/>
                 </a:solidFill>
               </a:rPr>
-              <a:t>[refer </a:t>
+              <a:t>[refer 487</a:t>
+            </a:r>
+            <a:r>
+              <a:rPr lang="en-IN" sz="1600" baseline="30000" dirty="0">
+                <a:solidFill>
+                  <a:srgbClr val="00B050"/>
+                </a:solidFill>
+              </a:rPr>
+              <a:t>th</a:t>
             </a:r>
             <a:r>
               <a:rPr lang="en-IN" sz="1600" dirty="0">
@@ -23561,45 +23149,12 @@
                   <a:srgbClr val="00B050"/>
                 </a:solidFill>
               </a:rPr>
-              <a:t>487</a:t>
-            </a:r>
-            <a:r>
-              <a:rPr lang="en-IN" sz="1600" baseline="30000" dirty="0">
-                <a:solidFill>
-                  <a:srgbClr val="00B050"/>
-                </a:solidFill>
-              </a:rPr>
-              <a:t>th</a:t>
-            </a:r>
-            <a:r>
-              <a:rPr lang="en-IN" sz="1600" dirty="0">
-                <a:solidFill>
-                  <a:srgbClr val="00B050"/>
-                </a:solidFill>
-              </a:rPr>
-              <a:t> </a:t>
-            </a:r>
-            <a:r>
-              <a:rPr lang="en-IN" sz="1600" dirty="0">
-                <a:solidFill>
-                  <a:srgbClr val="00B050"/>
-                </a:solidFill>
-              </a:rPr>
-              <a:t>line of base.py</a:t>
-            </a:r>
-            <a:r>
-              <a:rPr lang="en-IN" sz="1600" dirty="0">
-                <a:solidFill>
-                  <a:srgbClr val="00B050"/>
-                </a:solidFill>
-              </a:rPr>
-              <a:t>]</a:t>
+              <a:t> line of base.py]</a:t>
             </a:r>
             <a:r>
               <a:rPr lang="en-IN" sz="1600" b="1" dirty="0"/>
               <a:t>	</a:t>
             </a:r>
-            <a:endParaRPr lang="en-IN" sz="1600" b="1" dirty="0"/>
           </a:p>
         </p:txBody>
       </p:sp>
@@ -23632,11 +23187,6 @@
               </a:rPr>
               <a:t>1.4.5[taking delete case]</a:t>
             </a:r>
-            <a:endParaRPr lang="en-IN" sz="2400" b="1" dirty="0">
-              <a:solidFill>
-                <a:srgbClr val="0070C0"/>
-              </a:solidFill>
-            </a:endParaRPr>
           </a:p>
         </p:txBody>
       </p:sp>
@@ -23664,45 +23214,17 @@
           <a:p>
             <a:r>
               <a:rPr lang="en-IN" sz="1600" dirty="0"/>
-              <a:t>At this </a:t>
-            </a:r>
+              <a:t>At this point delete function define in base.py calls </a:t>
+            </a:r>
+            <a:r>
+              <a:rPr lang="en-IN" sz="1600" b="1" dirty="0"/>
+              <a:t>_view(self, context, data, fields_to_strip=None)</a:t>
+            </a:r>
+          </a:p>
+          <a:p>
             <a:r>
               <a:rPr lang="en-IN" sz="1600" dirty="0"/>
-              <a:t>point </a:t>
-            </a:r>
-            <a:r>
-              <a:rPr lang="en-IN" sz="1600" dirty="0"/>
-              <a:t>delete function define in base.py </a:t>
-            </a:r>
-            <a:r>
-              <a:rPr lang="en-IN" sz="1600" dirty="0"/>
-              <a:t>calls </a:t>
-            </a:r>
-            <a:r>
-              <a:rPr lang="en-IN" sz="1600" b="1" dirty="0"/>
-              <a:t>_view(self, context, data, fields_to_strip=None</a:t>
-            </a:r>
-            <a:r>
-              <a:rPr lang="en-IN" sz="1600" b="1" dirty="0"/>
-              <a:t>)</a:t>
-            </a:r>
-          </a:p>
-          <a:p>
-            <a:r>
-              <a:rPr lang="en-IN" sz="1600" dirty="0"/>
-              <a:t>that </a:t>
-            </a:r>
-            <a:r>
-              <a:rPr lang="en-IN" sz="1600" dirty="0"/>
-              <a:t>build a </a:t>
-            </a:r>
-            <a:r>
-              <a:rPr lang="en-IN" sz="1600" dirty="0"/>
-              <a:t>view of </a:t>
-            </a:r>
-            <a:r>
-              <a:rPr lang="en-IN" sz="1600" dirty="0"/>
-              <a:t>an API resource.</a:t>
+              <a:t>that build a view of an API resource.</a:t>
             </a:r>
           </a:p>
           <a:p>
@@ -23712,7 +23234,15 @@
                   <a:srgbClr val="00B050"/>
                 </a:solidFill>
               </a:rPr>
-              <a:t>[</a:t>
+              <a:t>[refer 485</a:t>
+            </a:r>
+            <a:r>
+              <a:rPr lang="en-IN" sz="1600" baseline="30000" dirty="0">
+                <a:solidFill>
+                  <a:srgbClr val="00B050"/>
+                </a:solidFill>
+              </a:rPr>
+              <a:t>th</a:t>
             </a:r>
             <a:r>
               <a:rPr lang="en-IN" sz="1600" dirty="0">
@@ -23720,53 +23250,12 @@
                   <a:srgbClr val="00B050"/>
                 </a:solidFill>
               </a:rPr>
-              <a:t>refer </a:t>
-            </a:r>
-            <a:r>
-              <a:rPr lang="en-IN" sz="1600" dirty="0">
-                <a:solidFill>
-                  <a:srgbClr val="00B050"/>
-                </a:solidFill>
-              </a:rPr>
-              <a:t>485</a:t>
-            </a:r>
-            <a:r>
-              <a:rPr lang="en-IN" sz="1600" baseline="30000" dirty="0">
-                <a:solidFill>
-                  <a:srgbClr val="00B050"/>
-                </a:solidFill>
-              </a:rPr>
-              <a:t>th</a:t>
-            </a:r>
-            <a:r>
-              <a:rPr lang="en-IN" sz="1600" dirty="0">
-                <a:solidFill>
-                  <a:srgbClr val="00B050"/>
-                </a:solidFill>
-              </a:rPr>
-              <a:t> </a:t>
-            </a:r>
-            <a:r>
-              <a:rPr lang="en-IN" sz="1600" dirty="0">
-                <a:solidFill>
-                  <a:srgbClr val="00B050"/>
-                </a:solidFill>
-              </a:rPr>
-              <a:t>line of base.py</a:t>
-            </a:r>
-            <a:r>
-              <a:rPr lang="en-IN" sz="1600" dirty="0">
-                <a:solidFill>
-                  <a:srgbClr val="00B050"/>
-                </a:solidFill>
-              </a:rPr>
-              <a:t>]</a:t>
+              <a:t> line of base.py]</a:t>
             </a:r>
             <a:r>
               <a:rPr lang="en-IN" sz="1600" b="1" dirty="0"/>
               <a:t>	</a:t>
             </a:r>
-            <a:endParaRPr lang="en-IN" sz="1600" b="1" dirty="0"/>
           </a:p>
         </p:txBody>
       </p:sp>
@@ -23799,11 +23288,6 @@
               </a:rPr>
               <a:t>1.5</a:t>
             </a:r>
-            <a:endParaRPr lang="en-IN" sz="2400" b="1" dirty="0">
-              <a:solidFill>
-                <a:srgbClr val="0070C0"/>
-              </a:solidFill>
-            </a:endParaRPr>
           </a:p>
         </p:txBody>
       </p:sp>
@@ -23831,23 +23315,7 @@
           <a:p>
             <a:r>
               <a:rPr lang="en-IN" sz="1600" dirty="0"/>
-              <a:t>At this point it serialize(convert </a:t>
-            </a:r>
-            <a:r>
-              <a:rPr lang="en-IN" sz="1600" dirty="0"/>
-              <a:t>plain text </a:t>
-            </a:r>
-            <a:r>
-              <a:rPr lang="en-IN" sz="1600" dirty="0"/>
-              <a:t>string to json) </a:t>
-            </a:r>
-            <a:r>
-              <a:rPr lang="en-IN" sz="1600" dirty="0"/>
-              <a:t>the </a:t>
-            </a:r>
-            <a:r>
-              <a:rPr lang="en-IN" sz="1600" dirty="0"/>
-              <a:t>response came from function(create, delete, update, show, index) define in controller class (base.py)</a:t>
+              <a:t>At this point it serialize(convert plain text string to json) the response came from function(create, delete, update, show, index) define in controller class (base.py)</a:t>
             </a:r>
           </a:p>
           <a:p>
@@ -23857,7 +23325,15 @@
                   <a:srgbClr val="00B050"/>
                 </a:solidFill>
               </a:rPr>
-              <a:t>[refer </a:t>
+              <a:t>[refer 137</a:t>
+            </a:r>
+            <a:r>
+              <a:rPr lang="en-IN" sz="1600" baseline="30000" dirty="0">
+                <a:solidFill>
+                  <a:srgbClr val="00B050"/>
+                </a:solidFill>
+              </a:rPr>
+              <a:t>th</a:t>
             </a:r>
             <a:r>
               <a:rPr lang="en-IN" sz="1600" dirty="0">
@@ -23865,37 +23341,12 @@
                   <a:srgbClr val="00B050"/>
                 </a:solidFill>
               </a:rPr>
-              <a:t>137</a:t>
-            </a:r>
-            <a:r>
-              <a:rPr lang="en-IN" sz="1600" baseline="30000" dirty="0">
-                <a:solidFill>
-                  <a:srgbClr val="00B050"/>
-                </a:solidFill>
-              </a:rPr>
-              <a:t>th</a:t>
-            </a:r>
-            <a:r>
-              <a:rPr lang="en-IN" sz="1600" dirty="0">
-                <a:solidFill>
-                  <a:srgbClr val="00B050"/>
-                </a:solidFill>
-              </a:rPr>
-              <a:t> </a:t>
-            </a:r>
-            <a:r>
-              <a:rPr lang="en-IN" sz="1600" dirty="0">
-                <a:solidFill>
-                  <a:srgbClr val="00B050"/>
-                </a:solidFill>
-              </a:rPr>
-              <a:t>line of base.py] </a:t>
+              <a:t> line of base.py] </a:t>
             </a:r>
             <a:r>
               <a:rPr lang="en-IN" sz="1600" b="1" dirty="0"/>
               <a:t>	</a:t>
             </a:r>
-            <a:endParaRPr lang="en-IN" sz="1600" b="1" dirty="0"/>
           </a:p>
         </p:txBody>
       </p:sp>
@@ -23979,7 +23430,6 @@
               <a:rPr lang="en-IN" sz="3600" dirty="0"/>
               <a:t>RoutesMiddleware (contd.)</a:t>
             </a:r>
-            <a:endParaRPr lang="en-IN" sz="3600" dirty="0"/>
           </a:p>
         </p:txBody>
       </p:sp>
@@ -24015,26 +23465,14 @@
             </a:pPr>
             <a:r>
               <a:rPr lang="en-IN" dirty="0"/>
-              <a:t> map </a:t>
-            </a:r>
-            <a:r>
-              <a:rPr lang="en-IN" dirty="0"/>
-              <a:t>= routes.Mapper()</a:t>
+              <a:t> map = routes.Mapper()</a:t>
             </a:r>
             <a:br>
               <a:rPr lang="en-IN" dirty="0"/>
             </a:br>
             <a:r>
               <a:rPr lang="en-IN" dirty="0"/>
-              <a:t> </a:t>
-            </a:r>
-            <a:r>
-              <a:rPr lang="en-IN" dirty="0"/>
-              <a:t>map.connect(None</a:t>
-            </a:r>
-            <a:r>
-              <a:rPr lang="en-IN" dirty="0"/>
-              <a:t>, </a:t>
+              <a:t> map.connect(None, </a:t>
             </a:r>
             <a:r>
               <a:rPr lang="en-IN" b="1" dirty="0"/>
@@ -24046,11 +23484,7 @@
             </a:r>
             <a:r>
               <a:rPr lang="en-IN" b="1" dirty="0"/>
-              <a:t>‘Method1</a:t>
-            </a:r>
-            <a:r>
-              <a:rPr lang="en-IN" b="1" dirty="0"/>
-              <a:t>'</a:t>
+              <a:t>‘Method1'</a:t>
             </a:r>
             <a:r>
               <a:rPr lang="en-IN" dirty="0"/>
@@ -24068,15 +23502,7 @@
             </a:pPr>
             <a:r>
               <a:rPr lang="en-IN" dirty="0"/>
-              <a:t> </a:t>
-            </a:r>
-            <a:r>
-              <a:rPr lang="en-IN" dirty="0"/>
-              <a:t>map.connect(None</a:t>
-            </a:r>
-            <a:r>
-              <a:rPr lang="en-IN" dirty="0"/>
-              <a:t>, </a:t>
+              <a:t> map.connect(None, </a:t>
             </a:r>
             <a:r>
               <a:rPr lang="en-IN" b="1" dirty="0"/>
@@ -24088,11 +23514,7 @@
             </a:r>
             <a:r>
               <a:rPr lang="en-IN" b="1" dirty="0"/>
-              <a:t>‘Method2</a:t>
-            </a:r>
-            <a:r>
-              <a:rPr lang="en-IN" b="1" dirty="0"/>
-              <a:t>'</a:t>
+              <a:t>‘Method2'</a:t>
             </a:r>
             <a:r>
               <a:rPr lang="en-IN" dirty="0"/>
@@ -24169,11 +23591,7 @@
             </a:r>
             <a:r>
               <a:rPr lang="en-IN" dirty="0"/>
-              <a:t> ((url, match</a:t>
-            </a:r>
-            <a:r>
-              <a:rPr lang="en-IN" dirty="0"/>
-              <a:t>))</a:t>
+              <a:t> ((url, match))</a:t>
             </a:r>
           </a:p>
           <a:p>
@@ -24197,10 +23615,6 @@
               <a:rPr lang="en-IN" dirty="0"/>
               <a:t> here</a:t>
             </a:r>
-            <a:r>
-              <a:rPr lang="en-IN" dirty="0"/>
-              <a:t/>
-            </a:r>
             <a:br>
               <a:rPr lang="en-IN" dirty="0"/>
             </a:br>
@@ -24242,14 +23656,7 @@
                 <a:latin typeface="Arial" pitchFamily="34" charset="0"/>
                 <a:cs typeface="Arial" pitchFamily="34" charset="0"/>
               </a:rPr>
-              <a:t>	</a:t>
-            </a:r>
-            <a:r>
-              <a:rPr lang="en-IN" dirty="0">
-                <a:latin typeface="Arial" pitchFamily="34" charset="0"/>
-                <a:cs typeface="Arial" pitchFamily="34" charset="0"/>
-              </a:rPr>
-              <a:t>		</a:t>
+              <a:t>			</a:t>
             </a:r>
           </a:p>
           <a:p>
@@ -24266,14 +23673,7 @@
                 <a:latin typeface="Arial" pitchFamily="34" charset="0"/>
                 <a:cs typeface="Arial" pitchFamily="34" charset="0"/>
               </a:rPr>
-              <a:t>	</a:t>
-            </a:r>
-            <a:r>
-              <a:rPr lang="en-IN" sz="2000" b="1" dirty="0">
-                <a:latin typeface="Arial" pitchFamily="34" charset="0"/>
-                <a:cs typeface="Arial" pitchFamily="34" charset="0"/>
-              </a:rPr>
-              <a:t>		At application side</a:t>
+              <a:t>			At application side</a:t>
             </a:r>
           </a:p>
           <a:p>
@@ -24323,13 +23723,8 @@
           <a:p>
             <a:r>
               <a:rPr lang="en-IN" dirty="0"/>
-              <a:t>controller = match</a:t>
-            </a:r>
-            <a:r>
-              <a:rPr lang="en-IN" dirty="0"/>
-              <a:t>[‘method'] </a:t>
-            </a:r>
-            <a:endParaRPr lang="en-IN" dirty="0"/>
+              <a:t>controller = match[‘method'] </a:t>
+            </a:r>
           </a:p>
           <a:p>
             <a:r>
@@ -24427,7 +23822,6 @@
               <a:rPr lang="en-IN" sz="4000" dirty="0"/>
               <a:t>(contd.)</a:t>
             </a:r>
-            <a:endParaRPr lang="en-IN" sz="4000" dirty="0"/>
           </a:p>
         </p:txBody>
       </p:sp>
@@ -24501,11 +23895,7 @@
             </a:r>
             <a:r>
               <a:rPr lang="en-IN" dirty="0"/>
-              <a:t>in our web browser then this </a:t>
-            </a:r>
-            <a:r>
-              <a:rPr lang="en-IN" dirty="0"/>
-              <a:t>request goes to </a:t>
+              <a:t>in our web browser then this request goes to </a:t>
             </a:r>
             <a:r>
               <a:rPr lang="en-IN" b="1" dirty="0"/>
@@ -24513,34 +23903,17 @@
             </a:r>
             <a:r>
               <a:rPr lang="en-IN" dirty="0"/>
-              <a:t> which is responsible for adding  match dictionary for this request </a:t>
-            </a:r>
+              <a:t> which is responsible for adding  match dictionary for this request match will be : {'age': u'23', 'method': u'Method1'}</a:t>
+            </a:r>
+          </a:p>
+          <a:p>
+            <a:endParaRPr lang="en-IN" dirty="0"/>
+          </a:p>
+          <a:p>
             <a:r>
               <a:rPr lang="en-IN" dirty="0"/>
-              <a:t>match will be : {'age': u'23', 'method': u'Method1</a:t>
-            </a:r>
-            <a:r>
-              <a:rPr lang="en-IN" dirty="0"/>
-              <a:t>'}</a:t>
-            </a:r>
-          </a:p>
-          <a:p>
-            <a:endParaRPr lang="en-IN" dirty="0"/>
-          </a:p>
-          <a:p>
-            <a:r>
-              <a:rPr lang="en-IN" dirty="0"/>
-              <a:t>So for every request RoutesMiddleware is acting as WSGI </a:t>
-            </a:r>
-            <a:r>
-              <a:rPr lang="en-IN" dirty="0"/>
-              <a:t>middleware that maps incoming requests to WSGI </a:t>
-            </a:r>
-            <a:r>
-              <a:rPr lang="en-IN" dirty="0"/>
-              <a:t>apps.</a:t>
-            </a:r>
-            <a:endParaRPr lang="en-IN" dirty="0"/>
+              <a:t>So for every request RoutesMiddleware is acting as WSGI middleware that maps incoming requests to WSGI apps.</a:t>
+            </a:r>
           </a:p>
         </p:txBody>
       </p:sp>
@@ -25273,11 +24646,7 @@
             </a:r>
             <a:r>
               <a:rPr lang="en-US" sz="1200" dirty="0"/>
-              <a:t> is a particularly common composite application – it uses a path prefix to map your request to </a:t>
-            </a:r>
-            <a:r>
-              <a:rPr lang="en-US" sz="1200" dirty="0"/>
-              <a:t>another application. / to </a:t>
+              <a:t> is a particularly common composite application – it uses a path prefix to map your request to another application. / to </a:t>
             </a:r>
             <a:r>
               <a:rPr lang="en-US" sz="1200" dirty="0" err="1"/>
@@ -25287,7 +24656,6 @@
               <a:rPr lang="en-US" sz="1200" dirty="0"/>
               <a:t> and /v2.0 to neturonapi_v2_0 applications.</a:t>
             </a:r>
-            <a:endParaRPr lang="en-US" sz="1200" dirty="0"/>
           </a:p>
         </p:txBody>
       </p:sp>
@@ -25379,13 +24747,8 @@
             </a:r>
             <a:r>
               <a:rPr lang="en-US" sz="1200" dirty="0"/>
-              <a:t> </a:t>
-            </a:r>
-            <a:r>
-              <a:rPr lang="en-US" sz="1200" dirty="0"/>
-              <a:t>module. </a:t>
-            </a:r>
-            <a:endParaRPr lang="en-US" sz="1200" dirty="0"/>
+              <a:t> module. </a:t>
+            </a:r>
           </a:p>
         </p:txBody>
       </p:sp>
@@ -25462,7 +24825,6 @@
               <a:rPr lang="en-US" sz="1400" dirty="0"/>
               <a:t>rid</a:t>
             </a:r>
-            <a:endParaRPr lang="en-US" sz="1400" dirty="0"/>
           </a:p>
         </p:txBody>
       </p:sp>
@@ -25588,7 +24950,6 @@
               <a:rPr lang="en-US" sz="1400" dirty="0"/>
               <a:t>KSC</a:t>
             </a:r>
-            <a:endParaRPr lang="en-US" sz="1400" dirty="0"/>
           </a:p>
         </p:txBody>
       </p:sp>
@@ -25638,7 +24999,6 @@
               <a:rPr lang="en-US" sz="1200" dirty="0"/>
               <a:t> app v2_0</a:t>
             </a:r>
-            <a:endParaRPr lang="en-US" sz="1200" dirty="0"/>
           </a:p>
         </p:txBody>
       </p:sp>
@@ -25713,7 +25073,6 @@
               <a:rPr lang="en-US" sz="1200" dirty="0"/>
               <a:t>Extensions</a:t>
             </a:r>
-            <a:endParaRPr lang="en-US" sz="1200" dirty="0"/>
           </a:p>
         </p:txBody>
       </p:sp>
@@ -25983,7 +25342,6 @@
               <a:rPr lang="en-US" dirty="0"/>
               <a:t>Paste Middleware </a:t>
             </a:r>
-            <a:endParaRPr lang="en-US" dirty="0"/>
           </a:p>
         </p:txBody>
       </p:sp>
@@ -26039,7 +25397,6 @@
                 <a:rPr lang="en-US" sz="1100" dirty="0"/>
                 <a:t>URL</a:t>
               </a:r>
-              <a:endParaRPr lang="en-US" sz="1100" dirty="0"/>
             </a:p>
           </p:txBody>
         </p:sp>
@@ -26083,7 +25440,6 @@
                 <a:rPr lang="en-US" sz="1400" dirty="0"/>
                 <a:t>Request-ID</a:t>
               </a:r>
-              <a:endParaRPr lang="en-US" sz="1400" dirty="0"/>
             </a:p>
           </p:txBody>
         </p:sp>
@@ -26127,7 +25483,6 @@
                 <a:rPr lang="en-US" sz="1400" dirty="0"/>
                 <a:t>Catch-Errors</a:t>
               </a:r>
-              <a:endParaRPr lang="en-US" sz="1400" dirty="0"/>
             </a:p>
           </p:txBody>
         </p:sp>
@@ -26293,7 +25648,6 @@
                 <a:rPr lang="en-US" sz="1100" dirty="0"/>
                 <a:t>Response</a:t>
               </a:r>
-              <a:endParaRPr lang="en-US" sz="1100" dirty="0"/>
             </a:p>
           </p:txBody>
         </p:sp>
@@ -26344,7 +25698,6 @@
                 <a:rPr lang="en-US" sz="1200" dirty="0"/>
                 <a:t>Connect</a:t>
               </a:r>
-              <a:endParaRPr lang="en-US" sz="1200" dirty="0"/>
             </a:p>
           </p:txBody>
         </p:sp>
@@ -26825,7 +26178,6 @@
                 <a:rPr lang="en-US" sz="1100" dirty="0"/>
                 <a:t>URL Defined</a:t>
               </a:r>
-              <a:endParaRPr lang="en-US" sz="1100" dirty="0"/>
             </a:p>
           </p:txBody>
         </p:sp>
@@ -26869,7 +26221,6 @@
                 <a:rPr lang="en-US" sz="1100" dirty="0"/>
                 <a:t>PROCESS</a:t>
               </a:r>
-              <a:endParaRPr lang="en-US" sz="1100" dirty="0"/>
             </a:p>
           </p:txBody>
         </p:sp>
@@ -26988,7 +26339,6 @@
                 <a:rPr lang="en-US" sz="1100" dirty="0"/>
                 <a:t>URL Defined</a:t>
               </a:r>
-              <a:endParaRPr lang="en-US" sz="1100" dirty="0"/>
             </a:p>
           </p:txBody>
         </p:sp>
@@ -27032,7 +26382,6 @@
                 <a:rPr lang="en-US" sz="1100" dirty="0"/>
                 <a:t>PROCESS</a:t>
               </a:r>
-              <a:endParaRPr lang="en-US" sz="1100" dirty="0"/>
             </a:p>
           </p:txBody>
         </p:sp>
@@ -27371,7 +26720,6 @@
                   <a:rPr lang="en-IN" sz="1600" b="1" dirty="0"/>
                   <a:t>APIRouter</a:t>
                 </a:r>
-                <a:endParaRPr lang="en-IN" sz="1600" b="1" dirty="0"/>
               </a:p>
             </p:txBody>
           </p:sp>
@@ -27566,7 +26914,6 @@
                 <a:rPr lang="en-IN" sz="1100" dirty="0"/>
                 <a:t>WSGI Server</a:t>
               </a:r>
-              <a:endParaRPr lang="en-IN" sz="1100" dirty="0"/>
             </a:p>
           </p:txBody>
         </p:sp>
@@ -27650,7 +26997,6 @@
                 <a:rPr lang="en-IN" sz="1050" b="1" dirty="0"/>
                 <a:t>__init__</a:t>
               </a:r>
-              <a:endParaRPr lang="en-IN" sz="1050" b="1" dirty="0"/>
             </a:p>
           </p:txBody>
         </p:sp>
@@ -28020,15 +27366,7 @@
             <a:p>
               <a:r>
                 <a:rPr lang="en-IN" sz="1050" dirty="0"/>
-                <a:t> </a:t>
-              </a:r>
-              <a:r>
-                <a:rPr lang="en-IN" sz="1050" dirty="0"/>
-                <a:t>_map_resource(RESOURCES[resource], </a:t>
-              </a:r>
-              <a:r>
-                <a:rPr lang="en-IN" sz="1050" dirty="0"/>
-                <a:t>resource,    </a:t>
+                <a:t> _map_resource(RESOURCES[resource], resource,    </a:t>
               </a:r>
               <a:r>
                 <a:rPr lang="en-IN" sz="1050" dirty="0">
@@ -28036,15 +27374,7 @@
                     <a:srgbClr val="FF0000"/>
                   </a:solidFill>
                 </a:rPr>
-                <a:t>attributes.RESOURCE_ATTRIBUTE_MAP.get</a:t>
-              </a:r>
-              <a:r>
-                <a:rPr lang="en-IN" sz="1050" dirty="0">
-                  <a:solidFill>
-                    <a:srgbClr val="FF0000"/>
-                  </a:solidFill>
-                </a:rPr>
-                <a:t>(</a:t>
+                <a:t>attributes.RESOURCE_ATTRIBUTE_MAP.get(</a:t>
               </a:r>
               <a:br>
                 <a:rPr lang="en-IN" sz="1050" dirty="0">
@@ -28842,7 +28172,6 @@
                 <a:rPr lang="en-IN" sz="1100" b="1" dirty="0"/>
                 <a:t>Next slide</a:t>
               </a:r>
-              <a:endParaRPr lang="en-IN" sz="1100" b="1" dirty="0"/>
             </a:p>
           </p:txBody>
         </p:sp>
@@ -28878,13 +28207,6 @@
                 </a:rPr>
                 <a:t>Call thrice for network, subnet, and port</a:t>
               </a:r>
-              <a:endParaRPr lang="en-IN" sz="1000" b="1" dirty="0">
-                <a:solidFill>
-                  <a:schemeClr val="accent4">
-                    <a:lumMod val="75000"/>
-                  </a:schemeClr>
-                </a:solidFill>
-              </a:endParaRPr>
             </a:p>
           </p:txBody>
         </p:sp>
@@ -29158,13 +28480,6 @@
                 </a:rPr>
                 <a:t>parent</a:t>
               </a:r>
-              <a:endParaRPr lang="en-IN" sz="1000" dirty="0">
-                <a:solidFill>
-                  <a:schemeClr val="accent6">
-                    <a:lumMod val="75000"/>
-                  </a:schemeClr>
-                </a:solidFill>
-              </a:endParaRPr>
             </a:p>
           </p:txBody>
         </p:sp>
@@ -29229,7 +28544,6 @@
                 <a:rPr lang="en-IN" sz="900" b="1" dirty="0"/>
                 <a:t>None</a:t>
               </a:r>
-              <a:endParaRPr lang="en-IN" sz="900" b="1" dirty="0"/>
             </a:p>
           </p:txBody>
         </p:sp>
@@ -29259,7 +28573,6 @@
                 <a:rPr lang="en-IN" sz="900" b="1" dirty="0"/>
                 <a:t>Not None</a:t>
               </a:r>
-              <a:endParaRPr lang="en-IN" sz="900" b="1" dirty="0"/>
             </a:p>
           </p:txBody>
         </p:sp>
@@ -29634,15 +28947,7 @@
               </a:r>
               <a:r>
                 <a:rPr lang="en-IN" sz="900" dirty="0"/>
-                <a:t>, **</a:t>
-              </a:r>
-              <a:r>
-                <a:rPr lang="en-IN" sz="900" dirty="0"/>
-                <a:t>mapper_kwargs</a:t>
-              </a:r>
-              <a:r>
-                <a:rPr lang="en-IN" sz="900" dirty="0"/>
-                <a:t>)</a:t>
+                <a:t>, **mapper_kwargs)</a:t>
               </a:r>
             </a:p>
             <a:p>
@@ -30197,23 +29502,11 @@
           <a:p>
             <a:r>
               <a:rPr lang="en-IN" sz="900" b="1" dirty="0"/>
-              <a:t>super(APIRouter, self).__init__(mapper</a:t>
-            </a:r>
-            <a:r>
-              <a:rPr lang="en-IN" sz="900" b="1" dirty="0"/>
-              <a:t>)</a:t>
+              <a:t>super(APIRouter, self).__init__(mapper)</a:t>
             </a:r>
             <a:r>
               <a:rPr lang="en-IN" sz="900" dirty="0"/>
-              <a:t>, this mean at last it pass  the mapper object to </a:t>
-            </a:r>
-            <a:r>
-              <a:rPr lang="en-IN" sz="900" dirty="0"/>
-              <a:t>R</a:t>
-            </a:r>
-            <a:r>
-              <a:rPr lang="en-IN" sz="900" dirty="0"/>
-              <a:t>outer class of wsgi.py </a:t>
+              <a:t>, this mean at last it pass  the mapper object to Router class of wsgi.py </a:t>
             </a:r>
             <a:r>
               <a:rPr lang="en-IN" sz="1000" b="1" dirty="0"/>
